--- a/Project 2 Airbnb Analysis.pptx
+++ b/Project 2 Airbnb Analysis.pptx
@@ -7,15 +7,16 @@
   </p:sldMasterIdLst>
   <p:sldIdLst>
     <p:sldId id="256" r:id="rId3"/>
-    <p:sldId id="257" r:id="rId4"/>
-    <p:sldId id="258" r:id="rId5"/>
-    <p:sldId id="259" r:id="rId6"/>
-    <p:sldId id="266" r:id="rId7"/>
-    <p:sldId id="260" r:id="rId8"/>
-    <p:sldId id="268" r:id="rId9"/>
-    <p:sldId id="265" r:id="rId10"/>
-    <p:sldId id="267" r:id="rId11"/>
-    <p:sldId id="262" r:id="rId12"/>
+    <p:sldId id="269" r:id="rId4"/>
+    <p:sldId id="257" r:id="rId5"/>
+    <p:sldId id="258" r:id="rId6"/>
+    <p:sldId id="259" r:id="rId7"/>
+    <p:sldId id="266" r:id="rId8"/>
+    <p:sldId id="260" r:id="rId9"/>
+    <p:sldId id="268" r:id="rId10"/>
+    <p:sldId id="265" r:id="rId11"/>
+    <p:sldId id="267" r:id="rId12"/>
+    <p:sldId id="262" r:id="rId13"/>
   </p:sldIdLst>
   <p:sldSz cx="9144000" cy="6858000" type="screen4x3"/>
   <p:notesSz cx="6858000" cy="9144000"/>
@@ -120,6 +121,7 @@
         <p14:section name="Untitled Section" id="{23D0CB37-1E44-7A40-AF2B-75D1EE2673DA}">
           <p14:sldIdLst>
             <p14:sldId id="256"/>
+            <p14:sldId id="269"/>
             <p14:sldId id="257"/>
             <p14:sldId id="258"/>
             <p14:sldId id="259"/>
@@ -4939,12 +4941,24 @@
             <p:ph idx="1"/>
           </p:nvPr>
         </p:nvSpPr>
-        <p:spPr/>
+        <p:spPr>
+          <a:xfrm>
+            <a:off x="699247" y="1438102"/>
+            <a:ext cx="7745505" cy="1596043"/>
+          </a:xfrm>
+        </p:spPr>
         <p:txBody>
           <a:bodyPr/>
           <a:lstStyle/>
           <a:p>
-            <a:endParaRPr lang="en-US" dirty="0"/>
+            <a:pPr marL="342900" indent="-342900">
+              <a:buFont typeface="Arial" panose="020B0604020202020204" pitchFamily="34" charset="0"/>
+              <a:buChar char="•"/>
+            </a:pPr>
+            <a:r>
+              <a:rPr lang="en-US" dirty="0"/>
+              <a:t>Almost three quarters of hosts list only one property</a:t>
+            </a:r>
           </a:p>
         </p:txBody>
       </p:sp>
@@ -4964,7 +4978,131 @@
           <a:lstStyle/>
           <a:p>
             <a:r>
-              <a:rPr lang="en-US" dirty="0"/>
+              <a:rPr lang="en-US" sz="3500" dirty="0"/>
+              <a:t>Most hosts are casual listers</a:t>
+            </a:r>
+          </a:p>
+        </p:txBody>
+      </p:sp>
+      <p:pic>
+        <p:nvPicPr>
+          <p:cNvPr id="4" name="Picture 3"/>
+          <p:cNvPicPr>
+            <a:picLocks noChangeAspect="1"/>
+          </p:cNvPicPr>
+          <p:nvPr/>
+        </p:nvPicPr>
+        <p:blipFill>
+          <a:blip r:embed="rId2"/>
+          <a:stretch>
+            <a:fillRect/>
+          </a:stretch>
+        </p:blipFill>
+        <p:spPr>
+          <a:xfrm>
+            <a:off x="6501449" y="2165597"/>
+            <a:ext cx="1219200" cy="4238625"/>
+          </a:xfrm>
+          <a:prstGeom prst="rect">
+            <a:avLst/>
+          </a:prstGeom>
+        </p:spPr>
+      </p:pic>
+      <p:pic>
+        <p:nvPicPr>
+          <p:cNvPr id="5" name="Picture 4"/>
+          <p:cNvPicPr>
+            <a:picLocks noChangeAspect="1"/>
+          </p:cNvPicPr>
+          <p:nvPr/>
+        </p:nvPicPr>
+        <p:blipFill>
+          <a:blip r:embed="rId3"/>
+          <a:stretch>
+            <a:fillRect/>
+          </a:stretch>
+        </p:blipFill>
+        <p:spPr>
+          <a:xfrm>
+            <a:off x="699247" y="2236123"/>
+            <a:ext cx="5369044" cy="3795492"/>
+          </a:xfrm>
+          <a:prstGeom prst="rect">
+            <a:avLst/>
+          </a:prstGeom>
+        </p:spPr>
+      </p:pic>
+    </p:spTree>
+    <p:extLst>
+      <p:ext uri="{BB962C8B-B14F-4D97-AF65-F5344CB8AC3E}">
+        <p14:creationId xmlns:p14="http://schemas.microsoft.com/office/powerpoint/2010/main" val="2304148366"/>
+      </p:ext>
+    </p:extLst>
+  </p:cSld>
+  <p:clrMapOvr>
+    <a:masterClrMapping/>
+  </p:clrMapOvr>
+</p:sld>
+</file>
+
+<file path=ppt/slides/slide11.xml><?xml version="1.0" encoding="utf-8"?>
+<p:sld xmlns:a="http://schemas.openxmlformats.org/drawingml/2006/main" xmlns:r="http://schemas.openxmlformats.org/officeDocument/2006/relationships" xmlns:p="http://schemas.openxmlformats.org/presentationml/2006/main">
+  <p:cSld>
+    <p:spTree>
+      <p:nvGrpSpPr>
+        <p:cNvPr id="1" name=""/>
+        <p:cNvGrpSpPr/>
+        <p:nvPr/>
+      </p:nvGrpSpPr>
+      <p:grpSpPr>
+        <a:xfrm>
+          <a:off x="0" y="0"/>
+          <a:ext cx="0" cy="0"/>
+          <a:chOff x="0" y="0"/>
+          <a:chExt cx="0" cy="0"/>
+        </a:xfrm>
+      </p:grpSpPr>
+      <p:sp>
+        <p:nvSpPr>
+          <p:cNvPr id="2" name="Content Placeholder 1"/>
+          <p:cNvSpPr>
+            <a:spLocks noGrp="1"/>
+          </p:cNvSpPr>
+          <p:nvPr>
+            <p:ph idx="1"/>
+          </p:nvPr>
+        </p:nvSpPr>
+        <p:spPr/>
+        <p:txBody>
+          <a:bodyPr/>
+          <a:lstStyle/>
+          <a:p>
+            <a:endParaRPr lang="en-US" dirty="0"/>
+          </a:p>
+        </p:txBody>
+      </p:sp>
+      <p:sp>
+        <p:nvSpPr>
+          <p:cNvPr id="3" name="Title 2"/>
+          <p:cNvSpPr>
+            <a:spLocks noGrp="1"/>
+          </p:cNvSpPr>
+          <p:nvPr>
+            <p:ph type="title"/>
+          </p:nvPr>
+        </p:nvSpPr>
+        <p:spPr>
+          <a:xfrm>
+            <a:off x="688490" y="570156"/>
+            <a:ext cx="7898557" cy="1054250"/>
+          </a:xfrm>
+        </p:spPr>
+        <p:txBody>
+          <a:bodyPr/>
+          <a:lstStyle/>
+          <a:p>
+            <a:r>
+              <a:rPr lang="en-US" sz="3500" dirty="0"/>
               <a:t>“Power Hosts” dominate the market</a:t>
             </a:r>
           </a:p>
@@ -5058,116 +5196,86 @@
             <p:ph idx="1"/>
           </p:nvPr>
         </p:nvSpPr>
-        <p:spPr>
-          <a:xfrm>
-            <a:off x="624433" y="1305097"/>
-            <a:ext cx="7745505" cy="4189616"/>
-          </a:xfrm>
-        </p:spPr>
+        <p:spPr/>
         <p:txBody>
           <a:bodyPr/>
           <a:lstStyle/>
           <a:p>
-            <a:r>
-              <a:rPr lang="en-US" sz="1800" dirty="0"/>
-              <a:t>Data Source: </a:t>
-            </a:r>
-            <a:r>
-              <a:rPr lang="en-US" sz="1800" dirty="0">
-                <a:hlinkClick r:id="rId2"/>
-              </a:rPr>
-              <a:t>http://insideairbnb.com</a:t>
-            </a:r>
-            <a:endParaRPr lang="en-US" sz="1800" dirty="0"/>
-          </a:p>
-          <a:p>
-            <a:r>
-              <a:rPr lang="en-US" sz="1800" dirty="0"/>
-              <a:t>Time Period: 2015-01 to 2017-05</a:t>
-            </a:r>
-          </a:p>
-          <a:p>
-            <a:r>
-              <a:rPr lang="en-US" sz="1800" dirty="0"/>
-              <a:t>Issues:</a:t>
-            </a:r>
-          </a:p>
-          <a:p>
-            <a:pPr marL="754380" lvl="1" indent="-342900">
+            <a:pPr marL="342900" indent="-342900">
               <a:buFont typeface="Arial" panose="020B0604020202020204" pitchFamily="34" charset="0"/>
               <a:buChar char="•"/>
             </a:pPr>
             <a:r>
-              <a:rPr lang="en-US" sz="1800" dirty="0"/>
-              <a:t>Missing data</a:t>
+              <a:rPr lang="en-US" dirty="0"/>
+              <a:t>Airbnb is a relatively young company that is disrupting the housing market</a:t>
             </a:r>
           </a:p>
           <a:p>
-            <a:pPr marL="754380" lvl="1" indent="-342900">
+            <a:pPr marL="342900" indent="-342900">
               <a:buFont typeface="Arial" panose="020B0604020202020204" pitchFamily="34" charset="0"/>
               <a:buChar char="•"/>
             </a:pPr>
-            <a:endParaRPr lang="en-US" sz="1800" dirty="0"/>
-          </a:p>
-          <a:p>
-            <a:pPr marL="754380" lvl="1" indent="-342900">
-              <a:buFont typeface="Arial" panose="020B0604020202020204" pitchFamily="34" charset="0"/>
-              <a:buChar char="•"/>
-            </a:pPr>
-            <a:endParaRPr lang="en-US" sz="1800" dirty="0"/>
-          </a:p>
-          <a:p>
-            <a:pPr marL="754380" lvl="1" indent="-342900">
-              <a:buFont typeface="Arial" panose="020B0604020202020204" pitchFamily="34" charset="0"/>
-              <a:buChar char="•"/>
-            </a:pPr>
-            <a:endParaRPr lang="en-US" sz="1800" dirty="0"/>
-          </a:p>
-          <a:p>
-            <a:pPr marL="754380" lvl="1" indent="-342900">
-              <a:buFont typeface="Arial" panose="020B0604020202020204" pitchFamily="34" charset="0"/>
-              <a:buChar char="•"/>
-            </a:pPr>
-            <a:endParaRPr lang="en-US" sz="1800" dirty="0"/>
-          </a:p>
-          <a:p>
-            <a:pPr marL="754380" lvl="1" indent="-342900">
-              <a:buFont typeface="Arial" panose="020B0604020202020204" pitchFamily="34" charset="0"/>
-              <a:buChar char="•"/>
-            </a:pPr>
-            <a:endParaRPr lang="en-US" sz="1800" dirty="0"/>
-          </a:p>
-          <a:p>
-            <a:pPr marL="754380" lvl="1" indent="-342900">
-              <a:buFont typeface="Arial" panose="020B0604020202020204" pitchFamily="34" charset="0"/>
-              <a:buChar char="•"/>
-            </a:pPr>
-            <a:endParaRPr lang="en-US" sz="1800" dirty="0"/>
-          </a:p>
-          <a:p>
-            <a:pPr marL="754380" lvl="1" indent="-342900">
-              <a:buFont typeface="Arial" panose="020B0604020202020204" pitchFamily="34" charset="0"/>
-              <a:buChar char="•"/>
-            </a:pPr>
-            <a:endParaRPr lang="en-US" sz="1800" dirty="0"/>
-          </a:p>
-          <a:p>
-            <a:pPr marL="754380" lvl="1" indent="-342900">
-              <a:buFont typeface="Arial" panose="020B0604020202020204" pitchFamily="34" charset="0"/>
-              <a:buChar char="•"/>
-            </a:pPr>
-            <a:endParaRPr lang="en-US" sz="1800" dirty="0"/>
-          </a:p>
-          <a:p>
-            <a:pPr marL="754380" lvl="1" indent="-342900">
+            <a:endParaRPr lang="en-US" dirty="0"/>
+          </a:p>
+          <a:p>
+            <a:pPr marL="342900" indent="-342900">
               <a:buFont typeface="Arial" panose="020B0604020202020204" pitchFamily="34" charset="0"/>
               <a:buChar char="•"/>
             </a:pPr>
             <a:r>
-              <a:rPr lang="en-US" sz="1800" dirty="0"/>
-              <a:t>Errors</a:t>
+              <a:rPr lang="en-US" dirty="0"/>
+              <a:t>One of the pioneers of the “gig economy”</a:t>
             </a:r>
-            <a:endParaRPr lang="en-US" sz="1800" dirty="0"/>
+          </a:p>
+          <a:p>
+            <a:pPr marL="342900" indent="-342900">
+              <a:buFont typeface="Arial" panose="020B0604020202020204" pitchFamily="34" charset="0"/>
+              <a:buChar char="•"/>
+            </a:pPr>
+            <a:endParaRPr lang="en-US" dirty="0"/>
+          </a:p>
+          <a:p>
+            <a:pPr marL="342900" indent="-342900">
+              <a:buFont typeface="Arial" panose="020B0604020202020204" pitchFamily="34" charset="0"/>
+              <a:buChar char="•"/>
+            </a:pPr>
+            <a:r>
+              <a:rPr lang="en-US" dirty="0"/>
+              <a:t>Currently dealing </a:t>
+            </a:r>
+            <a:r>
+              <a:rPr lang="en-US"/>
+              <a:t>with growing pains</a:t>
+            </a:r>
+            <a:endParaRPr lang="en-US" dirty="0"/>
+          </a:p>
+          <a:p>
+            <a:pPr marL="342900" indent="-342900">
+              <a:buFont typeface="Arial" panose="020B0604020202020204" pitchFamily="34" charset="0"/>
+              <a:buChar char="•"/>
+            </a:pPr>
+            <a:endParaRPr lang="en-US" dirty="0"/>
+          </a:p>
+          <a:p>
+            <a:pPr marL="342900" indent="-342900">
+              <a:buFont typeface="Arial" panose="020B0604020202020204" pitchFamily="34" charset="0"/>
+              <a:buChar char="•"/>
+            </a:pPr>
+            <a:endParaRPr lang="en-US" dirty="0"/>
+          </a:p>
+          <a:p>
+            <a:pPr marL="342900" indent="-342900">
+              <a:buFont typeface="Arial" panose="020B0604020202020204" pitchFamily="34" charset="0"/>
+              <a:buChar char="•"/>
+            </a:pPr>
+            <a:endParaRPr lang="en-US" dirty="0"/>
+          </a:p>
+          <a:p>
+            <a:pPr marL="342900" indent="-342900">
+              <a:buFont typeface="Arial" panose="020B0604020202020204" pitchFamily="34" charset="0"/>
+              <a:buChar char="•"/>
+            </a:pPr>
+            <a:endParaRPr lang="en-US" dirty="0"/>
           </a:p>
         </p:txBody>
       </p:sp>
@@ -5188,62 +5296,15 @@
           <a:p>
             <a:r>
               <a:rPr lang="en-US" sz="3500" dirty="0"/>
-              <a:t>Data Source and Issues</a:t>
+              <a:t>Why Airbnb?</a:t>
             </a:r>
           </a:p>
         </p:txBody>
       </p:sp>
-      <p:pic>
-        <p:nvPicPr>
-          <p:cNvPr id="4" name="Picture 3"/>
-          <p:cNvPicPr>
-            <a:picLocks noChangeAspect="1"/>
-          </p:cNvPicPr>
-          <p:nvPr/>
-        </p:nvPicPr>
-        <p:blipFill rotWithShape="1">
-          <a:blip r:embed="rId3"/>
-          <a:srcRect l="1808" t="2769" r="2299" b="37688"/>
-          <a:stretch/>
-        </p:blipFill>
-        <p:spPr>
-          <a:xfrm>
-            <a:off x="249382" y="2633667"/>
-            <a:ext cx="8678487" cy="2495285"/>
-          </a:xfrm>
-          <a:prstGeom prst="rect">
-            <a:avLst/>
-          </a:prstGeom>
-        </p:spPr>
-      </p:pic>
-      <p:pic>
-        <p:nvPicPr>
-          <p:cNvPr id="5" name="Picture 4"/>
-          <p:cNvPicPr>
-            <a:picLocks noChangeAspect="1"/>
-          </p:cNvPicPr>
-          <p:nvPr/>
-        </p:nvPicPr>
-        <p:blipFill>
-          <a:blip r:embed="rId4"/>
-          <a:stretch>
-            <a:fillRect/>
-          </a:stretch>
-        </p:blipFill>
-        <p:spPr>
-          <a:xfrm>
-            <a:off x="16625" y="5519551"/>
-            <a:ext cx="9144000" cy="1420206"/>
-          </a:xfrm>
-          <a:prstGeom prst="rect">
-            <a:avLst/>
-          </a:prstGeom>
-        </p:spPr>
-      </p:pic>
     </p:spTree>
     <p:extLst>
       <p:ext uri="{BB962C8B-B14F-4D97-AF65-F5344CB8AC3E}">
-        <p14:creationId xmlns:p14="http://schemas.microsoft.com/office/powerpoint/2010/main" val="2389982752"/>
+        <p14:creationId xmlns:p14="http://schemas.microsoft.com/office/powerpoint/2010/main" val="3938901142"/>
       </p:ext>
     </p:extLst>
   </p:cSld>
@@ -5272,6 +5333,129 @@
       </p:grpSpPr>
       <p:sp>
         <p:nvSpPr>
+          <p:cNvPr id="2" name="Content Placeholder 1"/>
+          <p:cNvSpPr>
+            <a:spLocks noGrp="1"/>
+          </p:cNvSpPr>
+          <p:nvPr>
+            <p:ph idx="1"/>
+          </p:nvPr>
+        </p:nvSpPr>
+        <p:spPr>
+          <a:xfrm>
+            <a:off x="624433" y="1305097"/>
+            <a:ext cx="7745505" cy="4189616"/>
+          </a:xfrm>
+        </p:spPr>
+        <p:txBody>
+          <a:bodyPr/>
+          <a:lstStyle/>
+          <a:p>
+            <a:r>
+              <a:rPr lang="en-US" sz="1800" dirty="0"/>
+              <a:t>Data Source: </a:t>
+            </a:r>
+            <a:r>
+              <a:rPr lang="en-US" sz="1800" dirty="0">
+                <a:hlinkClick r:id="rId2"/>
+              </a:rPr>
+              <a:t>http://insideairbnb.com</a:t>
+            </a:r>
+            <a:endParaRPr lang="en-US" sz="1800" dirty="0"/>
+          </a:p>
+          <a:p>
+            <a:r>
+              <a:rPr lang="en-US" sz="1800" dirty="0"/>
+              <a:t>Time Period: 2015-01 to 2017-05</a:t>
+            </a:r>
+          </a:p>
+          <a:p>
+            <a:r>
+              <a:rPr lang="en-US" sz="1800" dirty="0"/>
+              <a:t>Issues:</a:t>
+            </a:r>
+          </a:p>
+          <a:p>
+            <a:pPr marL="754380" lvl="1" indent="-342900">
+              <a:buFont typeface="Arial" panose="020B0604020202020204" pitchFamily="34" charset="0"/>
+              <a:buChar char="•"/>
+            </a:pPr>
+            <a:r>
+              <a:rPr lang="en-US" sz="1800" dirty="0"/>
+              <a:t>Missing data</a:t>
+            </a:r>
+          </a:p>
+          <a:p>
+            <a:pPr marL="754380" lvl="1" indent="-342900">
+              <a:buFont typeface="Arial" panose="020B0604020202020204" pitchFamily="34" charset="0"/>
+              <a:buChar char="•"/>
+            </a:pPr>
+            <a:endParaRPr lang="en-US" sz="1800" dirty="0"/>
+          </a:p>
+          <a:p>
+            <a:pPr marL="754380" lvl="1" indent="-342900">
+              <a:buFont typeface="Arial" panose="020B0604020202020204" pitchFamily="34" charset="0"/>
+              <a:buChar char="•"/>
+            </a:pPr>
+            <a:endParaRPr lang="en-US" sz="1800" dirty="0"/>
+          </a:p>
+          <a:p>
+            <a:pPr marL="754380" lvl="1" indent="-342900">
+              <a:buFont typeface="Arial" panose="020B0604020202020204" pitchFamily="34" charset="0"/>
+              <a:buChar char="•"/>
+            </a:pPr>
+            <a:endParaRPr lang="en-US" sz="1800" dirty="0"/>
+          </a:p>
+          <a:p>
+            <a:pPr marL="754380" lvl="1" indent="-342900">
+              <a:buFont typeface="Arial" panose="020B0604020202020204" pitchFamily="34" charset="0"/>
+              <a:buChar char="•"/>
+            </a:pPr>
+            <a:endParaRPr lang="en-US" sz="1800" dirty="0"/>
+          </a:p>
+          <a:p>
+            <a:pPr marL="754380" lvl="1" indent="-342900">
+              <a:buFont typeface="Arial" panose="020B0604020202020204" pitchFamily="34" charset="0"/>
+              <a:buChar char="•"/>
+            </a:pPr>
+            <a:endParaRPr lang="en-US" sz="1800" dirty="0"/>
+          </a:p>
+          <a:p>
+            <a:pPr marL="754380" lvl="1" indent="-342900">
+              <a:buFont typeface="Arial" panose="020B0604020202020204" pitchFamily="34" charset="0"/>
+              <a:buChar char="•"/>
+            </a:pPr>
+            <a:endParaRPr lang="en-US" sz="1800" dirty="0"/>
+          </a:p>
+          <a:p>
+            <a:pPr marL="754380" lvl="1" indent="-342900">
+              <a:buFont typeface="Arial" panose="020B0604020202020204" pitchFamily="34" charset="0"/>
+              <a:buChar char="•"/>
+            </a:pPr>
+            <a:endParaRPr lang="en-US" sz="1800" dirty="0"/>
+          </a:p>
+          <a:p>
+            <a:pPr marL="754380" lvl="1" indent="-342900">
+              <a:buFont typeface="Arial" panose="020B0604020202020204" pitchFamily="34" charset="0"/>
+              <a:buChar char="•"/>
+            </a:pPr>
+            <a:endParaRPr lang="en-US" sz="1800" dirty="0"/>
+          </a:p>
+          <a:p>
+            <a:pPr marL="754380" lvl="1" indent="-342900">
+              <a:buFont typeface="Arial" panose="020B0604020202020204" pitchFamily="34" charset="0"/>
+              <a:buChar char="•"/>
+            </a:pPr>
+            <a:r>
+              <a:rPr lang="en-US" sz="1800" dirty="0"/>
+              <a:t>Errors</a:t>
+            </a:r>
+            <a:endParaRPr lang="en-US" sz="1800" dirty="0"/>
+          </a:p>
+        </p:txBody>
+      </p:sp>
+      <p:sp>
+        <p:nvSpPr>
           <p:cNvPr id="3" name="Title 2"/>
           <p:cNvSpPr>
             <a:spLocks noGrp="1"/>
@@ -5280,41 +5464,59 @@
             <p:ph type="title"/>
           </p:nvPr>
         </p:nvSpPr>
-        <p:spPr>
-          <a:xfrm>
-            <a:off x="249382" y="570156"/>
-            <a:ext cx="8195371" cy="1054250"/>
-          </a:xfrm>
-        </p:spPr>
+        <p:spPr/>
         <p:txBody>
           <a:bodyPr/>
           <a:lstStyle/>
           <a:p>
             <a:r>
               <a:rPr lang="en-US" sz="3500" dirty="0"/>
-              <a:t>Airbnb has experienced solid growth in the past two years in listings </a:t>
+              <a:t>Data Source and Issues</a:t>
             </a:r>
           </a:p>
         </p:txBody>
       </p:sp>
       <p:pic>
         <p:nvPicPr>
-          <p:cNvPr id="9" name="Picture 8"/>
+          <p:cNvPr id="4" name="Picture 3"/>
+          <p:cNvPicPr>
+            <a:picLocks noChangeAspect="1"/>
+          </p:cNvPicPr>
+          <p:nvPr/>
+        </p:nvPicPr>
+        <p:blipFill rotWithShape="1">
+          <a:blip r:embed="rId3"/>
+          <a:srcRect l="1808" t="2769" r="2299" b="37688"/>
+          <a:stretch/>
+        </p:blipFill>
+        <p:spPr>
+          <a:xfrm>
+            <a:off x="249382" y="2633667"/>
+            <a:ext cx="8678487" cy="2495285"/>
+          </a:xfrm>
+          <a:prstGeom prst="rect">
+            <a:avLst/>
+          </a:prstGeom>
+        </p:spPr>
+      </p:pic>
+      <p:pic>
+        <p:nvPicPr>
+          <p:cNvPr id="5" name="Picture 4"/>
           <p:cNvPicPr>
             <a:picLocks noChangeAspect="1"/>
           </p:cNvPicPr>
           <p:nvPr/>
         </p:nvPicPr>
         <p:blipFill>
-          <a:blip r:embed="rId2"/>
+          <a:blip r:embed="rId4"/>
           <a:stretch>
             <a:fillRect/>
           </a:stretch>
         </p:blipFill>
         <p:spPr>
           <a:xfrm>
-            <a:off x="357449" y="1697905"/>
-            <a:ext cx="6540904" cy="4376534"/>
+            <a:off x="16625" y="5519551"/>
+            <a:ext cx="9144000" cy="1420206"/>
           </a:xfrm>
           <a:prstGeom prst="rect">
             <a:avLst/>
@@ -5324,7 +5526,7 @@
     </p:spTree>
     <p:extLst>
       <p:ext uri="{BB962C8B-B14F-4D97-AF65-F5344CB8AC3E}">
-        <p14:creationId xmlns:p14="http://schemas.microsoft.com/office/powerpoint/2010/main" val="3289414051"/>
+        <p14:creationId xmlns:p14="http://schemas.microsoft.com/office/powerpoint/2010/main" val="2389982752"/>
       </p:ext>
     </p:extLst>
   </p:cSld>
@@ -5361,21 +5563,26 @@
             <p:ph type="title"/>
           </p:nvPr>
         </p:nvSpPr>
-        <p:spPr/>
+        <p:spPr>
+          <a:xfrm>
+            <a:off x="548640" y="212708"/>
+            <a:ext cx="8195371" cy="1054250"/>
+          </a:xfrm>
+        </p:spPr>
         <p:txBody>
           <a:bodyPr/>
           <a:lstStyle/>
           <a:p>
             <a:r>
               <a:rPr lang="en-US" sz="3500" dirty="0"/>
-              <a:t>..and square footage </a:t>
+              <a:t>Airbnb has experienced solid growth in the past two years in listings </a:t>
             </a:r>
           </a:p>
         </p:txBody>
       </p:sp>
       <p:pic>
         <p:nvPicPr>
-          <p:cNvPr id="6" name="Picture 5"/>
+          <p:cNvPr id="9" name="Picture 8"/>
           <p:cNvPicPr>
             <a:picLocks noChangeAspect="1"/>
           </p:cNvPicPr>
@@ -5389,32 +5596,8 @@
         </p:blipFill>
         <p:spPr>
           <a:xfrm>
-            <a:off x="66502" y="1304955"/>
-            <a:ext cx="8969433" cy="4239634"/>
-          </a:xfrm>
-          <a:prstGeom prst="rect">
-            <a:avLst/>
-          </a:prstGeom>
-        </p:spPr>
-      </p:pic>
-      <p:pic>
-        <p:nvPicPr>
-          <p:cNvPr id="7" name="Picture 6"/>
-          <p:cNvPicPr>
-            <a:picLocks noChangeAspect="1"/>
-          </p:cNvPicPr>
-          <p:nvPr/>
-        </p:nvPicPr>
-        <p:blipFill>
-          <a:blip r:embed="rId3"/>
-          <a:stretch>
-            <a:fillRect/>
-          </a:stretch>
-        </p:blipFill>
-        <p:spPr>
-          <a:xfrm>
-            <a:off x="0" y="5634210"/>
-            <a:ext cx="7886700" cy="942975"/>
+            <a:off x="997529" y="1498400"/>
+            <a:ext cx="6540904" cy="4376534"/>
           </a:xfrm>
           <a:prstGeom prst="rect">
             <a:avLst/>
@@ -5424,7 +5607,7 @@
     </p:spTree>
     <p:extLst>
       <p:ext uri="{BB962C8B-B14F-4D97-AF65-F5344CB8AC3E}">
-        <p14:creationId xmlns:p14="http://schemas.microsoft.com/office/powerpoint/2010/main" val="3015495843"/>
+        <p14:creationId xmlns:p14="http://schemas.microsoft.com/office/powerpoint/2010/main" val="3289414051"/>
       </p:ext>
     </p:extLst>
   </p:cSld>
@@ -5468,14 +5651,14 @@
           <a:p>
             <a:r>
               <a:rPr lang="en-US" sz="3500" dirty="0"/>
-              <a:t>Listings are concentrated in two boroughs</a:t>
+              <a:t>..and square footage </a:t>
             </a:r>
           </a:p>
         </p:txBody>
       </p:sp>
       <p:pic>
         <p:nvPicPr>
-          <p:cNvPr id="4" name="Picture 3"/>
+          <p:cNvPr id="6" name="Picture 5"/>
           <p:cNvPicPr>
             <a:picLocks noChangeAspect="1"/>
           </p:cNvPicPr>
@@ -5489,8 +5672,8 @@
         </p:blipFill>
         <p:spPr>
           <a:xfrm>
-            <a:off x="423950" y="1695704"/>
-            <a:ext cx="4363662" cy="3758483"/>
+            <a:off x="66502" y="1304955"/>
+            <a:ext cx="8969433" cy="4239634"/>
           </a:xfrm>
           <a:prstGeom prst="rect">
             <a:avLst/>
@@ -5499,13 +5682,11 @@
       </p:pic>
       <p:pic>
         <p:nvPicPr>
-          <p:cNvPr id="5" name="Content Placeholder 4"/>
+          <p:cNvPr id="7" name="Picture 6"/>
           <p:cNvPicPr>
-            <a:picLocks noGrp="1" noChangeAspect="1"/>
+            <a:picLocks noChangeAspect="1"/>
           </p:cNvPicPr>
-          <p:nvPr>
-            <p:ph idx="1"/>
-          </p:nvPr>
+          <p:nvPr/>
         </p:nvPicPr>
         <p:blipFill>
           <a:blip r:embed="rId3"/>
@@ -5515,32 +5696,18 @@
         </p:blipFill>
         <p:spPr>
           <a:xfrm>
-            <a:off x="4946116" y="2064641"/>
-            <a:ext cx="3158750" cy="3170237"/>
-          </a:xfrm>
-          <a:prstGeom prst="rect">
-            <a:avLst/>
-          </a:prstGeom>
-        </p:spPr>
-        <p:style>
-          <a:lnRef idx="2">
-            <a:schemeClr val="dk1"/>
-          </a:lnRef>
-          <a:fillRef idx="1">
-            <a:schemeClr val="lt1"/>
-          </a:fillRef>
-          <a:effectRef idx="0">
-            <a:schemeClr val="dk1"/>
-          </a:effectRef>
-          <a:fontRef idx="minor">
-            <a:schemeClr val="dk1"/>
-          </a:fontRef>
-        </p:style>
+            <a:off x="0" y="5634210"/>
+            <a:ext cx="7886700" cy="942975"/>
+          </a:xfrm>
+          <a:prstGeom prst="rect">
+            <a:avLst/>
+          </a:prstGeom>
+        </p:spPr>
       </p:pic>
     </p:spTree>
     <p:extLst>
       <p:ext uri="{BB962C8B-B14F-4D97-AF65-F5344CB8AC3E}">
-        <p14:creationId xmlns:p14="http://schemas.microsoft.com/office/powerpoint/2010/main" val="1622358190"/>
+        <p14:creationId xmlns:p14="http://schemas.microsoft.com/office/powerpoint/2010/main" val="3015495843"/>
       </p:ext>
     </p:extLst>
   </p:cSld>
@@ -5569,54 +5736,6 @@
       </p:grpSpPr>
       <p:sp>
         <p:nvSpPr>
-          <p:cNvPr id="2" name="Content Placeholder 1"/>
-          <p:cNvSpPr>
-            <a:spLocks noGrp="1"/>
-          </p:cNvSpPr>
-          <p:nvPr>
-            <p:ph idx="1"/>
-          </p:nvPr>
-        </p:nvSpPr>
-        <p:spPr>
-          <a:xfrm>
-            <a:off x="150608" y="2235514"/>
-            <a:ext cx="2052266" cy="3084632"/>
-          </a:xfrm>
-        </p:spPr>
-        <p:txBody>
-          <a:bodyPr/>
-          <a:lstStyle/>
-          <a:p>
-            <a:pPr marL="342900" indent="-342900">
-              <a:buFont typeface="Arial" panose="020B0604020202020204" pitchFamily="34" charset="0"/>
-              <a:buChar char="•"/>
-            </a:pPr>
-            <a:r>
-              <a:rPr lang="en-US" sz="2000" dirty="0"/>
-              <a:t>Shared rooms have stagnated</a:t>
-            </a:r>
-          </a:p>
-          <a:p>
-            <a:pPr marL="342900" indent="-342900">
-              <a:buFont typeface="Arial" panose="020B0604020202020204" pitchFamily="34" charset="0"/>
-              <a:buChar char="•"/>
-            </a:pPr>
-            <a:endParaRPr lang="en-US" sz="2000" dirty="0"/>
-          </a:p>
-          <a:p>
-            <a:pPr marL="342900" indent="-342900">
-              <a:buFont typeface="Arial" panose="020B0604020202020204" pitchFamily="34" charset="0"/>
-              <a:buChar char="•"/>
-            </a:pPr>
-            <a:r>
-              <a:rPr lang="en-US" sz="2000" dirty="0"/>
-              <a:t>Private options have grown in popularity</a:t>
-            </a:r>
-          </a:p>
-        </p:txBody>
-      </p:sp>
-      <p:sp>
-        <p:nvSpPr>
           <p:cNvPr id="3" name="Title 2"/>
           <p:cNvSpPr>
             <a:spLocks noGrp="1"/>
@@ -5625,19 +5744,14 @@
             <p:ph type="title"/>
           </p:nvPr>
         </p:nvSpPr>
-        <p:spPr>
-          <a:xfrm>
-            <a:off x="415636" y="570156"/>
-            <a:ext cx="8296102" cy="1054250"/>
-          </a:xfrm>
-        </p:spPr>
+        <p:spPr/>
         <p:txBody>
           <a:bodyPr/>
           <a:lstStyle/>
           <a:p>
             <a:r>
               <a:rPr lang="en-US" sz="3500" dirty="0"/>
-              <a:t>Preferences growing for space and privacy</a:t>
+              <a:t>Listings are concentrated in two boroughs</a:t>
             </a:r>
           </a:p>
         </p:txBody>
@@ -5658,18 +5772,58 @@
         </p:blipFill>
         <p:spPr>
           <a:xfrm>
-            <a:off x="2360816" y="1510319"/>
-            <a:ext cx="6686550" cy="5114925"/>
-          </a:xfrm>
-          <a:prstGeom prst="rect">
-            <a:avLst/>
-          </a:prstGeom>
-        </p:spPr>
+            <a:off x="423950" y="1695704"/>
+            <a:ext cx="4363662" cy="3758483"/>
+          </a:xfrm>
+          <a:prstGeom prst="rect">
+            <a:avLst/>
+          </a:prstGeom>
+        </p:spPr>
+      </p:pic>
+      <p:pic>
+        <p:nvPicPr>
+          <p:cNvPr id="5" name="Content Placeholder 4"/>
+          <p:cNvPicPr>
+            <a:picLocks noGrp="1" noChangeAspect="1"/>
+          </p:cNvPicPr>
+          <p:nvPr>
+            <p:ph idx="1"/>
+          </p:nvPr>
+        </p:nvPicPr>
+        <p:blipFill>
+          <a:blip r:embed="rId3"/>
+          <a:stretch>
+            <a:fillRect/>
+          </a:stretch>
+        </p:blipFill>
+        <p:spPr>
+          <a:xfrm>
+            <a:off x="4946116" y="2064641"/>
+            <a:ext cx="3158750" cy="3170237"/>
+          </a:xfrm>
+          <a:prstGeom prst="rect">
+            <a:avLst/>
+          </a:prstGeom>
+        </p:spPr>
+        <p:style>
+          <a:lnRef idx="2">
+            <a:schemeClr val="dk1"/>
+          </a:lnRef>
+          <a:fillRef idx="1">
+            <a:schemeClr val="lt1"/>
+          </a:fillRef>
+          <a:effectRef idx="0">
+            <a:schemeClr val="dk1"/>
+          </a:effectRef>
+          <a:fontRef idx="minor">
+            <a:schemeClr val="dk1"/>
+          </a:fontRef>
+        </p:style>
       </p:pic>
     </p:spTree>
     <p:extLst>
       <p:ext uri="{BB962C8B-B14F-4D97-AF65-F5344CB8AC3E}">
-        <p14:creationId xmlns:p14="http://schemas.microsoft.com/office/powerpoint/2010/main" val="3897210590"/>
+        <p14:creationId xmlns:p14="http://schemas.microsoft.com/office/powerpoint/2010/main" val="1622358190"/>
       </p:ext>
     </p:extLst>
   </p:cSld>
@@ -5706,6 +5860,135 @@
             <p:ph idx="1"/>
           </p:nvPr>
         </p:nvSpPr>
+        <p:spPr>
+          <a:xfrm>
+            <a:off x="150608" y="2235514"/>
+            <a:ext cx="2052266" cy="3084632"/>
+          </a:xfrm>
+        </p:spPr>
+        <p:txBody>
+          <a:bodyPr/>
+          <a:lstStyle/>
+          <a:p>
+            <a:pPr marL="342900" indent="-342900">
+              <a:buFont typeface="Arial" panose="020B0604020202020204" pitchFamily="34" charset="0"/>
+              <a:buChar char="•"/>
+            </a:pPr>
+            <a:r>
+              <a:rPr lang="en-US" sz="2000" dirty="0"/>
+              <a:t>Shared rooms have stagnated</a:t>
+            </a:r>
+          </a:p>
+          <a:p>
+            <a:pPr marL="342900" indent="-342900">
+              <a:buFont typeface="Arial" panose="020B0604020202020204" pitchFamily="34" charset="0"/>
+              <a:buChar char="•"/>
+            </a:pPr>
+            <a:endParaRPr lang="en-US" sz="2000" dirty="0"/>
+          </a:p>
+          <a:p>
+            <a:pPr marL="342900" indent="-342900">
+              <a:buFont typeface="Arial" panose="020B0604020202020204" pitchFamily="34" charset="0"/>
+              <a:buChar char="•"/>
+            </a:pPr>
+            <a:r>
+              <a:rPr lang="en-US" sz="2000" dirty="0"/>
+              <a:t>Private options have grown in popularity</a:t>
+            </a:r>
+          </a:p>
+        </p:txBody>
+      </p:sp>
+      <p:sp>
+        <p:nvSpPr>
+          <p:cNvPr id="3" name="Title 2"/>
+          <p:cNvSpPr>
+            <a:spLocks noGrp="1"/>
+          </p:cNvSpPr>
+          <p:nvPr>
+            <p:ph type="title"/>
+          </p:nvPr>
+        </p:nvSpPr>
+        <p:spPr>
+          <a:xfrm>
+            <a:off x="415636" y="570156"/>
+            <a:ext cx="8296102" cy="1054250"/>
+          </a:xfrm>
+        </p:spPr>
+        <p:txBody>
+          <a:bodyPr/>
+          <a:lstStyle/>
+          <a:p>
+            <a:r>
+              <a:rPr lang="en-US" sz="3500" dirty="0"/>
+              <a:t>Preferences growing for space and privacy</a:t>
+            </a:r>
+          </a:p>
+        </p:txBody>
+      </p:sp>
+      <p:pic>
+        <p:nvPicPr>
+          <p:cNvPr id="4" name="Picture 3"/>
+          <p:cNvPicPr>
+            <a:picLocks noChangeAspect="1"/>
+          </p:cNvPicPr>
+          <p:nvPr/>
+        </p:nvPicPr>
+        <p:blipFill>
+          <a:blip r:embed="rId2"/>
+          <a:stretch>
+            <a:fillRect/>
+          </a:stretch>
+        </p:blipFill>
+        <p:spPr>
+          <a:xfrm>
+            <a:off x="2360816" y="1510319"/>
+            <a:ext cx="6686550" cy="5114925"/>
+          </a:xfrm>
+          <a:prstGeom prst="rect">
+            <a:avLst/>
+          </a:prstGeom>
+        </p:spPr>
+      </p:pic>
+    </p:spTree>
+    <p:extLst>
+      <p:ext uri="{BB962C8B-B14F-4D97-AF65-F5344CB8AC3E}">
+        <p14:creationId xmlns:p14="http://schemas.microsoft.com/office/powerpoint/2010/main" val="3897210590"/>
+      </p:ext>
+    </p:extLst>
+  </p:cSld>
+  <p:clrMapOvr>
+    <a:masterClrMapping/>
+  </p:clrMapOvr>
+</p:sld>
+</file>
+
+<file path=ppt/slides/slide8.xml><?xml version="1.0" encoding="utf-8"?>
+<p:sld xmlns:a="http://schemas.openxmlformats.org/drawingml/2006/main" xmlns:r="http://schemas.openxmlformats.org/officeDocument/2006/relationships" xmlns:p="http://schemas.openxmlformats.org/presentationml/2006/main">
+  <p:cSld>
+    <p:spTree>
+      <p:nvGrpSpPr>
+        <p:cNvPr id="1" name=""/>
+        <p:cNvGrpSpPr/>
+        <p:nvPr/>
+      </p:nvGrpSpPr>
+      <p:grpSpPr>
+        <a:xfrm>
+          <a:off x="0" y="0"/>
+          <a:ext cx="0" cy="0"/>
+          <a:chOff x="0" y="0"/>
+          <a:chExt cx="0" cy="0"/>
+        </a:xfrm>
+      </p:grpSpPr>
+      <p:sp>
+        <p:nvSpPr>
+          <p:cNvPr id="2" name="Content Placeholder 1"/>
+          <p:cNvSpPr>
+            <a:spLocks noGrp="1"/>
+          </p:cNvSpPr>
+          <p:nvPr>
+            <p:ph idx="1"/>
+          </p:nvPr>
+        </p:nvSpPr>
         <p:spPr/>
         <p:txBody>
           <a:bodyPr/>
@@ -5774,7 +6057,7 @@
 </p:sld>
 </file>
 
-<file path=ppt/slides/slide8.xml><?xml version="1.0" encoding="utf-8"?>
+<file path=ppt/slides/slide9.xml><?xml version="1.0" encoding="utf-8"?>
 <p:sld xmlns:a="http://schemas.openxmlformats.org/drawingml/2006/main" xmlns:r="http://schemas.openxmlformats.org/officeDocument/2006/relationships" xmlns:p="http://schemas.openxmlformats.org/presentationml/2006/main">
   <p:cSld>
     <p:spTree>
@@ -5867,137 +6150,6 @@
     <p:extLst>
       <p:ext uri="{BB962C8B-B14F-4D97-AF65-F5344CB8AC3E}">
         <p14:creationId xmlns:p14="http://schemas.microsoft.com/office/powerpoint/2010/main" val="428957313"/>
-      </p:ext>
-    </p:extLst>
-  </p:cSld>
-  <p:clrMapOvr>
-    <a:masterClrMapping/>
-  </p:clrMapOvr>
-</p:sld>
-</file>
-
-<file path=ppt/slides/slide9.xml><?xml version="1.0" encoding="utf-8"?>
-<p:sld xmlns:a="http://schemas.openxmlformats.org/drawingml/2006/main" xmlns:r="http://schemas.openxmlformats.org/officeDocument/2006/relationships" xmlns:p="http://schemas.openxmlformats.org/presentationml/2006/main">
-  <p:cSld>
-    <p:spTree>
-      <p:nvGrpSpPr>
-        <p:cNvPr id="1" name=""/>
-        <p:cNvGrpSpPr/>
-        <p:nvPr/>
-      </p:nvGrpSpPr>
-      <p:grpSpPr>
-        <a:xfrm>
-          <a:off x="0" y="0"/>
-          <a:ext cx="0" cy="0"/>
-          <a:chOff x="0" y="0"/>
-          <a:chExt cx="0" cy="0"/>
-        </a:xfrm>
-      </p:grpSpPr>
-      <p:sp>
-        <p:nvSpPr>
-          <p:cNvPr id="2" name="Content Placeholder 1"/>
-          <p:cNvSpPr>
-            <a:spLocks noGrp="1"/>
-          </p:cNvSpPr>
-          <p:nvPr>
-            <p:ph idx="1"/>
-          </p:nvPr>
-        </p:nvSpPr>
-        <p:spPr>
-          <a:xfrm>
-            <a:off x="699247" y="1438102"/>
-            <a:ext cx="7745505" cy="1596043"/>
-          </a:xfrm>
-        </p:spPr>
-        <p:txBody>
-          <a:bodyPr/>
-          <a:lstStyle/>
-          <a:p>
-            <a:pPr marL="342900" indent="-342900">
-              <a:buFont typeface="Arial" panose="020B0604020202020204" pitchFamily="34" charset="0"/>
-              <a:buChar char="•"/>
-            </a:pPr>
-            <a:r>
-              <a:rPr lang="en-US" dirty="0"/>
-              <a:t>Almost three quarters of hosts list only one property</a:t>
-            </a:r>
-          </a:p>
-        </p:txBody>
-      </p:sp>
-      <p:sp>
-        <p:nvSpPr>
-          <p:cNvPr id="3" name="Title 2"/>
-          <p:cNvSpPr>
-            <a:spLocks noGrp="1"/>
-          </p:cNvSpPr>
-          <p:nvPr>
-            <p:ph type="title"/>
-          </p:nvPr>
-        </p:nvSpPr>
-        <p:spPr/>
-        <p:txBody>
-          <a:bodyPr/>
-          <a:lstStyle/>
-          <a:p>
-            <a:r>
-              <a:rPr lang="en-US" dirty="0"/>
-              <a:t>Most hosts are casual listers</a:t>
-            </a:r>
-          </a:p>
-        </p:txBody>
-      </p:sp>
-      <p:pic>
-        <p:nvPicPr>
-          <p:cNvPr id="4" name="Picture 3"/>
-          <p:cNvPicPr>
-            <a:picLocks noChangeAspect="1"/>
-          </p:cNvPicPr>
-          <p:nvPr/>
-        </p:nvPicPr>
-        <p:blipFill>
-          <a:blip r:embed="rId2"/>
-          <a:stretch>
-            <a:fillRect/>
-          </a:stretch>
-        </p:blipFill>
-        <p:spPr>
-          <a:xfrm>
-            <a:off x="6501449" y="2165597"/>
-            <a:ext cx="1219200" cy="4238625"/>
-          </a:xfrm>
-          <a:prstGeom prst="rect">
-            <a:avLst/>
-          </a:prstGeom>
-        </p:spPr>
-      </p:pic>
-      <p:pic>
-        <p:nvPicPr>
-          <p:cNvPr id="5" name="Picture 4"/>
-          <p:cNvPicPr>
-            <a:picLocks noChangeAspect="1"/>
-          </p:cNvPicPr>
-          <p:nvPr/>
-        </p:nvPicPr>
-        <p:blipFill>
-          <a:blip r:embed="rId3"/>
-          <a:stretch>
-            <a:fillRect/>
-          </a:stretch>
-        </p:blipFill>
-        <p:spPr>
-          <a:xfrm>
-            <a:off x="699247" y="2236123"/>
-            <a:ext cx="5369044" cy="3795492"/>
-          </a:xfrm>
-          <a:prstGeom prst="rect">
-            <a:avLst/>
-          </a:prstGeom>
-        </p:spPr>
-      </p:pic>
-    </p:spTree>
-    <p:extLst>
-      <p:ext uri="{BB962C8B-B14F-4D97-AF65-F5344CB8AC3E}">
-        <p14:creationId xmlns:p14="http://schemas.microsoft.com/office/powerpoint/2010/main" val="2304148366"/>
       </p:ext>
     </p:extLst>
   </p:cSld>

--- a/Project 2 Airbnb Analysis.pptx
+++ b/Project 2 Airbnb Analysis.pptx
@@ -12,8 +12,8 @@
     <p:sldId id="258" r:id="rId6"/>
     <p:sldId id="259" r:id="rId7"/>
     <p:sldId id="266" r:id="rId8"/>
-    <p:sldId id="260" r:id="rId9"/>
-    <p:sldId id="268" r:id="rId10"/>
+    <p:sldId id="268" r:id="rId9"/>
+    <p:sldId id="260" r:id="rId10"/>
     <p:sldId id="265" r:id="rId11"/>
     <p:sldId id="267" r:id="rId12"/>
     <p:sldId id="262" r:id="rId13"/>
@@ -126,8 +126,8 @@
             <p14:sldId id="258"/>
             <p14:sldId id="259"/>
             <p14:sldId id="266"/>
+            <p14:sldId id="268"/>
             <p14:sldId id="260"/>
-            <p14:sldId id="268"/>
             <p14:sldId id="265"/>
             <p14:sldId id="267"/>
             <p14:sldId id="262"/>
@@ -5064,25 +5064,6 @@
       </p:grpSpPr>
       <p:sp>
         <p:nvSpPr>
-          <p:cNvPr id="2" name="Content Placeholder 1"/>
-          <p:cNvSpPr>
-            <a:spLocks noGrp="1"/>
-          </p:cNvSpPr>
-          <p:nvPr>
-            <p:ph idx="1"/>
-          </p:nvPr>
-        </p:nvSpPr>
-        <p:spPr/>
-        <p:txBody>
-          <a:bodyPr/>
-          <a:lstStyle/>
-          <a:p>
-            <a:endParaRPr lang="en-US" dirty="0"/>
-          </a:p>
-        </p:txBody>
-      </p:sp>
-      <p:sp>
-        <p:nvSpPr>
           <p:cNvPr id="3" name="Title 2"/>
           <p:cNvSpPr>
             <a:spLocks noGrp="1"/>
@@ -5241,13 +5222,8 @@
             </a:pPr>
             <a:r>
               <a:rPr lang="en-US" dirty="0"/>
-              <a:t>Currently dealing </a:t>
+              <a:t>Currently dealing with growing pains</a:t>
             </a:r>
-            <a:r>
-              <a:rPr lang="en-US"/>
-              <a:t>with growing pains</a:t>
-            </a:r>
-            <a:endParaRPr lang="en-US" dirty="0"/>
           </a:p>
           <a:p>
             <a:pPr marL="342900" indent="-342900">
@@ -5744,7 +5720,12 @@
             <p:ph type="title"/>
           </p:nvPr>
         </p:nvSpPr>
-        <p:spPr/>
+        <p:spPr>
+          <a:xfrm>
+            <a:off x="813181" y="221021"/>
+            <a:ext cx="7756263" cy="1054250"/>
+          </a:xfrm>
+        </p:spPr>
         <p:txBody>
           <a:bodyPr/>
           <a:lstStyle/>
@@ -5758,7 +5739,7 @@
       </p:sp>
       <p:pic>
         <p:nvPicPr>
-          <p:cNvPr id="4" name="Picture 3"/>
+          <p:cNvPr id="6" name="Picture 5"/>
           <p:cNvPicPr>
             <a:picLocks noChangeAspect="1"/>
           </p:cNvPicPr>
@@ -5772,8 +5753,32 @@
         </p:blipFill>
         <p:spPr>
           <a:xfrm>
-            <a:off x="423950" y="1695704"/>
-            <a:ext cx="4363662" cy="3758483"/>
+            <a:off x="321939" y="1619423"/>
+            <a:ext cx="5829479" cy="2975717"/>
+          </a:xfrm>
+          <a:prstGeom prst="rect">
+            <a:avLst/>
+          </a:prstGeom>
+        </p:spPr>
+      </p:pic>
+      <p:pic>
+        <p:nvPicPr>
+          <p:cNvPr id="4" name="Picture 3"/>
+          <p:cNvPicPr>
+            <a:picLocks noChangeAspect="1"/>
+          </p:cNvPicPr>
+          <p:nvPr/>
+        </p:nvPicPr>
+        <p:blipFill>
+          <a:blip r:embed="rId3"/>
+          <a:stretch>
+            <a:fillRect/>
+          </a:stretch>
+        </p:blipFill>
+        <p:spPr>
+          <a:xfrm>
+            <a:off x="5563266" y="3543607"/>
+            <a:ext cx="3612154" cy="3111199"/>
           </a:xfrm>
           <a:prstGeom prst="rect">
             <a:avLst/>
@@ -5791,15 +5796,15 @@
           </p:nvPr>
         </p:nvPicPr>
         <p:blipFill>
-          <a:blip r:embed="rId3"/>
+          <a:blip r:embed="rId4"/>
           <a:stretch>
             <a:fillRect/>
           </a:stretch>
         </p:blipFill>
         <p:spPr>
           <a:xfrm>
-            <a:off x="4946116" y="2064641"/>
-            <a:ext cx="3158750" cy="3170237"/>
+            <a:off x="2861630" y="3943346"/>
+            <a:ext cx="2701636" cy="2711460"/>
           </a:xfrm>
           <a:prstGeom prst="rect">
             <a:avLst/>
@@ -5852,54 +5857,6 @@
       </p:grpSpPr>
       <p:sp>
         <p:nvSpPr>
-          <p:cNvPr id="2" name="Content Placeholder 1"/>
-          <p:cNvSpPr>
-            <a:spLocks noGrp="1"/>
-          </p:cNvSpPr>
-          <p:nvPr>
-            <p:ph idx="1"/>
-          </p:nvPr>
-        </p:nvSpPr>
-        <p:spPr>
-          <a:xfrm>
-            <a:off x="150608" y="2235514"/>
-            <a:ext cx="2052266" cy="3084632"/>
-          </a:xfrm>
-        </p:spPr>
-        <p:txBody>
-          <a:bodyPr/>
-          <a:lstStyle/>
-          <a:p>
-            <a:pPr marL="342900" indent="-342900">
-              <a:buFont typeface="Arial" panose="020B0604020202020204" pitchFamily="34" charset="0"/>
-              <a:buChar char="•"/>
-            </a:pPr>
-            <a:r>
-              <a:rPr lang="en-US" sz="2000" dirty="0"/>
-              <a:t>Shared rooms have stagnated</a:t>
-            </a:r>
-          </a:p>
-          <a:p>
-            <a:pPr marL="342900" indent="-342900">
-              <a:buFont typeface="Arial" panose="020B0604020202020204" pitchFamily="34" charset="0"/>
-              <a:buChar char="•"/>
-            </a:pPr>
-            <a:endParaRPr lang="en-US" sz="2000" dirty="0"/>
-          </a:p>
-          <a:p>
-            <a:pPr marL="342900" indent="-342900">
-              <a:buFont typeface="Arial" panose="020B0604020202020204" pitchFamily="34" charset="0"/>
-              <a:buChar char="•"/>
-            </a:pPr>
-            <a:r>
-              <a:rPr lang="en-US" sz="2000" dirty="0"/>
-              <a:t>Private options have grown in popularity</a:t>
-            </a:r>
-          </a:p>
-        </p:txBody>
-      </p:sp>
-      <p:sp>
-        <p:nvSpPr>
           <p:cNvPr id="3" name="Title 2"/>
           <p:cNvSpPr>
             <a:spLocks noGrp="1"/>
@@ -5910,8 +5867,8 @@
         </p:nvSpPr>
         <p:spPr>
           <a:xfrm>
-            <a:off x="415636" y="570156"/>
-            <a:ext cx="8296102" cy="1054250"/>
+            <a:off x="688490" y="234653"/>
+            <a:ext cx="7756263" cy="1054250"/>
           </a:xfrm>
         </p:spPr>
         <p:txBody>
@@ -5920,14 +5877,14 @@
           <a:p>
             <a:r>
               <a:rPr lang="en-US" sz="3500" dirty="0"/>
-              <a:t>Preferences growing for space and privacy</a:t>
+              <a:t>Internet tops popular amenities list</a:t>
             </a:r>
           </a:p>
         </p:txBody>
       </p:sp>
       <p:pic>
         <p:nvPicPr>
-          <p:cNvPr id="4" name="Picture 3"/>
+          <p:cNvPr id="5" name="Picture 4"/>
           <p:cNvPicPr>
             <a:picLocks noChangeAspect="1"/>
           </p:cNvPicPr>
@@ -5941,8 +5898,32 @@
         </p:blipFill>
         <p:spPr>
           <a:xfrm>
-            <a:off x="2360816" y="1510319"/>
-            <a:ext cx="6686550" cy="5114925"/>
+            <a:off x="123224" y="1267387"/>
+            <a:ext cx="7868097" cy="4264001"/>
+          </a:xfrm>
+          <a:prstGeom prst="rect">
+            <a:avLst/>
+          </a:prstGeom>
+        </p:spPr>
+      </p:pic>
+      <p:pic>
+        <p:nvPicPr>
+          <p:cNvPr id="6" name="Picture 5"/>
+          <p:cNvPicPr>
+            <a:picLocks noChangeAspect="1"/>
+          </p:cNvPicPr>
+          <p:nvPr/>
+        </p:nvPicPr>
+        <p:blipFill>
+          <a:blip r:embed="rId3"/>
+          <a:stretch>
+            <a:fillRect/>
+          </a:stretch>
+        </p:blipFill>
+        <p:spPr>
+          <a:xfrm>
+            <a:off x="4114169" y="1471327"/>
+            <a:ext cx="4895850" cy="714375"/>
           </a:xfrm>
           <a:prstGeom prst="rect">
             <a:avLst/>
@@ -5952,7 +5933,7 @@
     </p:spTree>
     <p:extLst>
       <p:ext uri="{BB962C8B-B14F-4D97-AF65-F5344CB8AC3E}">
-        <p14:creationId xmlns:p14="http://schemas.microsoft.com/office/powerpoint/2010/main" val="3897210590"/>
+        <p14:creationId xmlns:p14="http://schemas.microsoft.com/office/powerpoint/2010/main" val="1778481463"/>
       </p:ext>
     </p:extLst>
   </p:cSld>
@@ -5989,12 +5970,41 @@
             <p:ph idx="1"/>
           </p:nvPr>
         </p:nvSpPr>
-        <p:spPr/>
+        <p:spPr>
+          <a:xfrm>
+            <a:off x="150608" y="2235514"/>
+            <a:ext cx="2052266" cy="3084632"/>
+          </a:xfrm>
+        </p:spPr>
         <p:txBody>
           <a:bodyPr/>
           <a:lstStyle/>
           <a:p>
-            <a:endParaRPr lang="en-US"/>
+            <a:pPr marL="342900" indent="-342900">
+              <a:buFont typeface="Arial" panose="020B0604020202020204" pitchFamily="34" charset="0"/>
+              <a:buChar char="•"/>
+            </a:pPr>
+            <a:r>
+              <a:rPr lang="en-US" sz="2000" dirty="0"/>
+              <a:t>Shared rooms have stagnated</a:t>
+            </a:r>
+          </a:p>
+          <a:p>
+            <a:pPr marL="342900" indent="-342900">
+              <a:buFont typeface="Arial" panose="020B0604020202020204" pitchFamily="34" charset="0"/>
+              <a:buChar char="•"/>
+            </a:pPr>
+            <a:endParaRPr lang="en-US" sz="2000" dirty="0"/>
+          </a:p>
+          <a:p>
+            <a:pPr marL="342900" indent="-342900">
+              <a:buFont typeface="Arial" panose="020B0604020202020204" pitchFamily="34" charset="0"/>
+              <a:buChar char="•"/>
+            </a:pPr>
+            <a:r>
+              <a:rPr lang="en-US" sz="2000" dirty="0"/>
+              <a:t>Private options have grown in popularity</a:t>
+            </a:r>
           </a:p>
         </p:txBody>
       </p:sp>
@@ -6008,21 +6018,26 @@
             <p:ph type="title"/>
           </p:nvPr>
         </p:nvSpPr>
-        <p:spPr/>
+        <p:spPr>
+          <a:xfrm>
+            <a:off x="415636" y="570156"/>
+            <a:ext cx="8296102" cy="1054250"/>
+          </a:xfrm>
+        </p:spPr>
         <p:txBody>
           <a:bodyPr/>
           <a:lstStyle/>
           <a:p>
             <a:r>
               <a:rPr lang="en-US" sz="3500" dirty="0"/>
-              <a:t>Internet tops popular amenities list</a:t>
+              <a:t>Preferences growing for space and privacy</a:t>
             </a:r>
           </a:p>
         </p:txBody>
       </p:sp>
       <p:pic>
         <p:nvPicPr>
-          <p:cNvPr id="5" name="Picture 4"/>
+          <p:cNvPr id="4" name="Picture 3"/>
           <p:cNvPicPr>
             <a:picLocks noChangeAspect="1"/>
           </p:cNvPicPr>
@@ -6036,8 +6051,8 @@
         </p:blipFill>
         <p:spPr>
           <a:xfrm>
-            <a:off x="688490" y="1267387"/>
-            <a:ext cx="7868097" cy="4264001"/>
+            <a:off x="2360816" y="1510319"/>
+            <a:ext cx="6686550" cy="5114925"/>
           </a:xfrm>
           <a:prstGeom prst="rect">
             <a:avLst/>
@@ -6047,7 +6062,7 @@
     </p:spTree>
     <p:extLst>
       <p:ext uri="{BB962C8B-B14F-4D97-AF65-F5344CB8AC3E}">
-        <p14:creationId xmlns:p14="http://schemas.microsoft.com/office/powerpoint/2010/main" val="1778481463"/>
+        <p14:creationId xmlns:p14="http://schemas.microsoft.com/office/powerpoint/2010/main" val="3897210590"/>
       </p:ext>
     </p:extLst>
   </p:cSld>
